--- a/modules/PPT/ManagementTools.pptx
+++ b/modules/PPT/ManagementTools.pptx
@@ -949,7 +949,7 @@
           <a:p>
             <a:r>
               <a:rPr lang="en-US" smtClean="0"/>
-              <a:t>Management Regulations</a:t>
+              <a:t>Management Tools</a:t>
             </a:r>
             <a:endParaRPr lang="en-US"/>
           </a:p>
@@ -1104,7 +1104,7 @@
           <a:p>
             <a:r>
               <a:rPr lang="en-US" smtClean="0"/>
-              <a:t>Management Regulations</a:t>
+              <a:t>Management Tools</a:t>
             </a:r>
             <a:endParaRPr lang="en-US"/>
           </a:p>
@@ -1269,7 +1269,7 @@
           <a:p>
             <a:r>
               <a:rPr lang="en-US" smtClean="0"/>
-              <a:t>Management Regulations</a:t>
+              <a:t>Management Tools</a:t>
             </a:r>
             <a:endParaRPr lang="en-US"/>
           </a:p>
@@ -1424,7 +1424,7 @@
           <a:p>
             <a:r>
               <a:rPr lang="en-US" smtClean="0"/>
-              <a:t>Management Regulations</a:t>
+              <a:t>Management Tools</a:t>
             </a:r>
             <a:endParaRPr lang="en-US"/>
           </a:p>
@@ -1601,7 +1601,7 @@
           <a:p>
             <a:r>
               <a:rPr lang="en-US" smtClean="0"/>
-              <a:t>Management Regulations</a:t>
+              <a:t>Management Tools</a:t>
             </a:r>
             <a:endParaRPr lang="en-US"/>
           </a:p>
@@ -1874,7 +1874,7 @@
           <a:p>
             <a:r>
               <a:rPr lang="en-US" smtClean="0"/>
-              <a:t>Management Regulations</a:t>
+              <a:t>Management Tools</a:t>
             </a:r>
             <a:endParaRPr lang="en-US"/>
           </a:p>
@@ -2286,7 +2286,7 @@
           <a:p>
             <a:r>
               <a:rPr lang="en-US" smtClean="0"/>
-              <a:t>Management Regulations</a:t>
+              <a:t>Management Tools</a:t>
             </a:r>
             <a:endParaRPr lang="en-US"/>
           </a:p>
@@ -2389,7 +2389,7 @@
           <a:p>
             <a:r>
               <a:rPr lang="en-US" smtClean="0"/>
-              <a:t>Management Regulations</a:t>
+              <a:t>Management Tools</a:t>
             </a:r>
             <a:endParaRPr lang="en-US"/>
           </a:p>
@@ -2469,7 +2469,7 @@
           <a:p>
             <a:r>
               <a:rPr lang="en-US" smtClean="0"/>
-              <a:t>Management Regulations</a:t>
+              <a:t>Management Tools</a:t>
             </a:r>
             <a:endParaRPr lang="en-US"/>
           </a:p>
@@ -2731,7 +2731,7 @@
           <a:p>
             <a:r>
               <a:rPr lang="en-US" smtClean="0"/>
-              <a:t>Management Regulations</a:t>
+              <a:t>Management Tools</a:t>
             </a:r>
             <a:endParaRPr lang="en-US"/>
           </a:p>
@@ -2969,7 +2969,7 @@
           <a:p>
             <a:r>
               <a:rPr lang="en-US" smtClean="0"/>
-              <a:t>Management Regulations</a:t>
+              <a:t>Management Tools</a:t>
             </a:r>
             <a:endParaRPr lang="en-US"/>
           </a:p>
@@ -3224,7 +3224,7 @@
           <a:p>
             <a:r>
               <a:rPr lang="en-US" smtClean="0"/>
-              <a:t>Management Regulations</a:t>
+              <a:t>Management Tools</a:t>
             </a:r>
             <a:endParaRPr lang="en-US"/>
           </a:p>
@@ -3795,7 +3795,7 @@
           <a:p>
             <a:r>
               <a:rPr lang="en-US" smtClean="0"/>
-              <a:t>Management Regulations</a:t>
+              <a:t>Management Tools</a:t>
             </a:r>
             <a:endParaRPr lang="en-US"/>
           </a:p>
@@ -3924,7 +3924,7 @@
           <a:p>
             <a:r>
               <a:rPr lang="en-US" smtClean="0"/>
-              <a:t>Management Regulations</a:t>
+              <a:t>Management Tools</a:t>
             </a:r>
             <a:endParaRPr lang="en-US"/>
           </a:p>
@@ -4083,7 +4083,7 @@
           <a:p>
             <a:r>
               <a:rPr lang="en-US" smtClean="0"/>
-              <a:t>Management Regulations</a:t>
+              <a:t>Management Tools</a:t>
             </a:r>
             <a:endParaRPr lang="en-US"/>
           </a:p>
@@ -4294,7 +4294,7 @@
           <a:p>
             <a:r>
               <a:rPr lang="en-US" smtClean="0"/>
-              <a:t>Management Regulations</a:t>
+              <a:t>Management Tools</a:t>
             </a:r>
             <a:endParaRPr lang="en-US"/>
           </a:p>
@@ -4404,7 +4404,7 @@
           <a:p>
             <a:r>
               <a:rPr lang="en-US" smtClean="0"/>
-              <a:t>Management Regulations</a:t>
+              <a:t>Management Tools</a:t>
             </a:r>
             <a:endParaRPr lang="en-US"/>
           </a:p>
@@ -4588,23 +4588,125 @@
                 <a:tableStyleId>{5C22544A-7EE6-4342-B048-85BDC9FD1C3A}</a:tableStyleId>
               </a:tblPr>
               <a:tblGrid>
-                <a:gridCol w="484093"/>
-                <a:gridCol w="484093"/>
-                <a:gridCol w="484093"/>
-                <a:gridCol w="484093"/>
-                <a:gridCol w="484093"/>
-                <a:gridCol w="484093"/>
-                <a:gridCol w="484093"/>
-                <a:gridCol w="484093"/>
-                <a:gridCol w="484093"/>
-                <a:gridCol w="484093"/>
-                <a:gridCol w="484093"/>
-                <a:gridCol w="484093"/>
-                <a:gridCol w="484093"/>
-                <a:gridCol w="484093"/>
-                <a:gridCol w="484093"/>
-                <a:gridCol w="484093"/>
-                <a:gridCol w="484093"/>
+                <a:gridCol w="484093">
+                  <a:extLst>
+                    <a:ext uri="{9D8B030D-6E8A-4147-A177-3AD203B41FA5}">
+                      <a16:colId xmlns:a16="http://schemas.microsoft.com/office/drawing/2014/main" val="20000"/>
+                    </a:ext>
+                  </a:extLst>
+                </a:gridCol>
+                <a:gridCol w="484093">
+                  <a:extLst>
+                    <a:ext uri="{9D8B030D-6E8A-4147-A177-3AD203B41FA5}">
+                      <a16:colId xmlns:a16="http://schemas.microsoft.com/office/drawing/2014/main" val="20001"/>
+                    </a:ext>
+                  </a:extLst>
+                </a:gridCol>
+                <a:gridCol w="484093">
+                  <a:extLst>
+                    <a:ext uri="{9D8B030D-6E8A-4147-A177-3AD203B41FA5}">
+                      <a16:colId xmlns:a16="http://schemas.microsoft.com/office/drawing/2014/main" val="20002"/>
+                    </a:ext>
+                  </a:extLst>
+                </a:gridCol>
+                <a:gridCol w="484093">
+                  <a:extLst>
+                    <a:ext uri="{9D8B030D-6E8A-4147-A177-3AD203B41FA5}">
+                      <a16:colId xmlns:a16="http://schemas.microsoft.com/office/drawing/2014/main" val="20003"/>
+                    </a:ext>
+                  </a:extLst>
+                </a:gridCol>
+                <a:gridCol w="484093">
+                  <a:extLst>
+                    <a:ext uri="{9D8B030D-6E8A-4147-A177-3AD203B41FA5}">
+                      <a16:colId xmlns:a16="http://schemas.microsoft.com/office/drawing/2014/main" val="20004"/>
+                    </a:ext>
+                  </a:extLst>
+                </a:gridCol>
+                <a:gridCol w="484093">
+                  <a:extLst>
+                    <a:ext uri="{9D8B030D-6E8A-4147-A177-3AD203B41FA5}">
+                      <a16:colId xmlns:a16="http://schemas.microsoft.com/office/drawing/2014/main" val="20005"/>
+                    </a:ext>
+                  </a:extLst>
+                </a:gridCol>
+                <a:gridCol w="484093">
+                  <a:extLst>
+                    <a:ext uri="{9D8B030D-6E8A-4147-A177-3AD203B41FA5}">
+                      <a16:colId xmlns:a16="http://schemas.microsoft.com/office/drawing/2014/main" val="20006"/>
+                    </a:ext>
+                  </a:extLst>
+                </a:gridCol>
+                <a:gridCol w="484093">
+                  <a:extLst>
+                    <a:ext uri="{9D8B030D-6E8A-4147-A177-3AD203B41FA5}">
+                      <a16:colId xmlns:a16="http://schemas.microsoft.com/office/drawing/2014/main" val="20007"/>
+                    </a:ext>
+                  </a:extLst>
+                </a:gridCol>
+                <a:gridCol w="484093">
+                  <a:extLst>
+                    <a:ext uri="{9D8B030D-6E8A-4147-A177-3AD203B41FA5}">
+                      <a16:colId xmlns:a16="http://schemas.microsoft.com/office/drawing/2014/main" val="20008"/>
+                    </a:ext>
+                  </a:extLst>
+                </a:gridCol>
+                <a:gridCol w="484093">
+                  <a:extLst>
+                    <a:ext uri="{9D8B030D-6E8A-4147-A177-3AD203B41FA5}">
+                      <a16:colId xmlns:a16="http://schemas.microsoft.com/office/drawing/2014/main" val="20009"/>
+                    </a:ext>
+                  </a:extLst>
+                </a:gridCol>
+                <a:gridCol w="484093">
+                  <a:extLst>
+                    <a:ext uri="{9D8B030D-6E8A-4147-A177-3AD203B41FA5}">
+                      <a16:colId xmlns:a16="http://schemas.microsoft.com/office/drawing/2014/main" val="20010"/>
+                    </a:ext>
+                  </a:extLst>
+                </a:gridCol>
+                <a:gridCol w="484093">
+                  <a:extLst>
+                    <a:ext uri="{9D8B030D-6E8A-4147-A177-3AD203B41FA5}">
+                      <a16:colId xmlns:a16="http://schemas.microsoft.com/office/drawing/2014/main" val="20011"/>
+                    </a:ext>
+                  </a:extLst>
+                </a:gridCol>
+                <a:gridCol w="484093">
+                  <a:extLst>
+                    <a:ext uri="{9D8B030D-6E8A-4147-A177-3AD203B41FA5}">
+                      <a16:colId xmlns:a16="http://schemas.microsoft.com/office/drawing/2014/main" val="20012"/>
+                    </a:ext>
+                  </a:extLst>
+                </a:gridCol>
+                <a:gridCol w="484093">
+                  <a:extLst>
+                    <a:ext uri="{9D8B030D-6E8A-4147-A177-3AD203B41FA5}">
+                      <a16:colId xmlns:a16="http://schemas.microsoft.com/office/drawing/2014/main" val="20013"/>
+                    </a:ext>
+                  </a:extLst>
+                </a:gridCol>
+                <a:gridCol w="484093">
+                  <a:extLst>
+                    <a:ext uri="{9D8B030D-6E8A-4147-A177-3AD203B41FA5}">
+                      <a16:colId xmlns:a16="http://schemas.microsoft.com/office/drawing/2014/main" val="20014"/>
+                    </a:ext>
+                  </a:extLst>
+                </a:gridCol>
+                <a:gridCol w="484093">
+                  <a:extLst>
+                    <a:ext uri="{9D8B030D-6E8A-4147-A177-3AD203B41FA5}">
+                      <a16:colId xmlns:a16="http://schemas.microsoft.com/office/drawing/2014/main" val="20015"/>
+                    </a:ext>
+                  </a:extLst>
+                </a:gridCol>
+                <a:gridCol w="484093">
+                  <a:extLst>
+                    <a:ext uri="{9D8B030D-6E8A-4147-A177-3AD203B41FA5}">
+                      <a16:colId xmlns:a16="http://schemas.microsoft.com/office/drawing/2014/main" val="20016"/>
+                    </a:ext>
+                  </a:extLst>
+                </a:gridCol>
               </a:tblGrid>
               <a:tr h="370840">
                 <a:tc>
@@ -5690,6 +5792,11 @@
                     </a:solidFill>
                   </a:tcPr>
                 </a:tc>
+                <a:extLst>
+                  <a:ext uri="{0D108BD9-81ED-4DB2-BD59-A6C34878D82A}">
+                    <a16:rowId xmlns:a16="http://schemas.microsoft.com/office/drawing/2014/main" val="10000"/>
+                  </a:ext>
+                </a:extLst>
               </a:tr>
             </a:tbl>
           </a:graphicData>
@@ -5720,23 +5827,125 @@
                 <a:tableStyleId>{5C22544A-7EE6-4342-B048-85BDC9FD1C3A}</a:tableStyleId>
               </a:tblPr>
               <a:tblGrid>
-                <a:gridCol w="484093"/>
-                <a:gridCol w="484093"/>
-                <a:gridCol w="484093"/>
-                <a:gridCol w="484093"/>
-                <a:gridCol w="484093"/>
-                <a:gridCol w="484093"/>
-                <a:gridCol w="484093"/>
-                <a:gridCol w="484093"/>
-                <a:gridCol w="484093"/>
-                <a:gridCol w="484093"/>
-                <a:gridCol w="484093"/>
-                <a:gridCol w="484093"/>
-                <a:gridCol w="484093"/>
-                <a:gridCol w="484093"/>
-                <a:gridCol w="484093"/>
-                <a:gridCol w="484093"/>
-                <a:gridCol w="484093"/>
+                <a:gridCol w="484093">
+                  <a:extLst>
+                    <a:ext uri="{9D8B030D-6E8A-4147-A177-3AD203B41FA5}">
+                      <a16:colId xmlns:a16="http://schemas.microsoft.com/office/drawing/2014/main" val="20000"/>
+                    </a:ext>
+                  </a:extLst>
+                </a:gridCol>
+                <a:gridCol w="484093">
+                  <a:extLst>
+                    <a:ext uri="{9D8B030D-6E8A-4147-A177-3AD203B41FA5}">
+                      <a16:colId xmlns:a16="http://schemas.microsoft.com/office/drawing/2014/main" val="20001"/>
+                    </a:ext>
+                  </a:extLst>
+                </a:gridCol>
+                <a:gridCol w="484093">
+                  <a:extLst>
+                    <a:ext uri="{9D8B030D-6E8A-4147-A177-3AD203B41FA5}">
+                      <a16:colId xmlns:a16="http://schemas.microsoft.com/office/drawing/2014/main" val="20002"/>
+                    </a:ext>
+                  </a:extLst>
+                </a:gridCol>
+                <a:gridCol w="484093">
+                  <a:extLst>
+                    <a:ext uri="{9D8B030D-6E8A-4147-A177-3AD203B41FA5}">
+                      <a16:colId xmlns:a16="http://schemas.microsoft.com/office/drawing/2014/main" val="20003"/>
+                    </a:ext>
+                  </a:extLst>
+                </a:gridCol>
+                <a:gridCol w="484093">
+                  <a:extLst>
+                    <a:ext uri="{9D8B030D-6E8A-4147-A177-3AD203B41FA5}">
+                      <a16:colId xmlns:a16="http://schemas.microsoft.com/office/drawing/2014/main" val="20004"/>
+                    </a:ext>
+                  </a:extLst>
+                </a:gridCol>
+                <a:gridCol w="484093">
+                  <a:extLst>
+                    <a:ext uri="{9D8B030D-6E8A-4147-A177-3AD203B41FA5}">
+                      <a16:colId xmlns:a16="http://schemas.microsoft.com/office/drawing/2014/main" val="20005"/>
+                    </a:ext>
+                  </a:extLst>
+                </a:gridCol>
+                <a:gridCol w="484093">
+                  <a:extLst>
+                    <a:ext uri="{9D8B030D-6E8A-4147-A177-3AD203B41FA5}">
+                      <a16:colId xmlns:a16="http://schemas.microsoft.com/office/drawing/2014/main" val="20006"/>
+                    </a:ext>
+                  </a:extLst>
+                </a:gridCol>
+                <a:gridCol w="484093">
+                  <a:extLst>
+                    <a:ext uri="{9D8B030D-6E8A-4147-A177-3AD203B41FA5}">
+                      <a16:colId xmlns:a16="http://schemas.microsoft.com/office/drawing/2014/main" val="20007"/>
+                    </a:ext>
+                  </a:extLst>
+                </a:gridCol>
+                <a:gridCol w="484093">
+                  <a:extLst>
+                    <a:ext uri="{9D8B030D-6E8A-4147-A177-3AD203B41FA5}">
+                      <a16:colId xmlns:a16="http://schemas.microsoft.com/office/drawing/2014/main" val="20008"/>
+                    </a:ext>
+                  </a:extLst>
+                </a:gridCol>
+                <a:gridCol w="484093">
+                  <a:extLst>
+                    <a:ext uri="{9D8B030D-6E8A-4147-A177-3AD203B41FA5}">
+                      <a16:colId xmlns:a16="http://schemas.microsoft.com/office/drawing/2014/main" val="20009"/>
+                    </a:ext>
+                  </a:extLst>
+                </a:gridCol>
+                <a:gridCol w="484093">
+                  <a:extLst>
+                    <a:ext uri="{9D8B030D-6E8A-4147-A177-3AD203B41FA5}">
+                      <a16:colId xmlns:a16="http://schemas.microsoft.com/office/drawing/2014/main" val="20010"/>
+                    </a:ext>
+                  </a:extLst>
+                </a:gridCol>
+                <a:gridCol w="484093">
+                  <a:extLst>
+                    <a:ext uri="{9D8B030D-6E8A-4147-A177-3AD203B41FA5}">
+                      <a16:colId xmlns:a16="http://schemas.microsoft.com/office/drawing/2014/main" val="20011"/>
+                    </a:ext>
+                  </a:extLst>
+                </a:gridCol>
+                <a:gridCol w="484093">
+                  <a:extLst>
+                    <a:ext uri="{9D8B030D-6E8A-4147-A177-3AD203B41FA5}">
+                      <a16:colId xmlns:a16="http://schemas.microsoft.com/office/drawing/2014/main" val="20012"/>
+                    </a:ext>
+                  </a:extLst>
+                </a:gridCol>
+                <a:gridCol w="484093">
+                  <a:extLst>
+                    <a:ext uri="{9D8B030D-6E8A-4147-A177-3AD203B41FA5}">
+                      <a16:colId xmlns:a16="http://schemas.microsoft.com/office/drawing/2014/main" val="20013"/>
+                    </a:ext>
+                  </a:extLst>
+                </a:gridCol>
+                <a:gridCol w="484093">
+                  <a:extLst>
+                    <a:ext uri="{9D8B030D-6E8A-4147-A177-3AD203B41FA5}">
+                      <a16:colId xmlns:a16="http://schemas.microsoft.com/office/drawing/2014/main" val="20014"/>
+                    </a:ext>
+                  </a:extLst>
+                </a:gridCol>
+                <a:gridCol w="484093">
+                  <a:extLst>
+                    <a:ext uri="{9D8B030D-6E8A-4147-A177-3AD203B41FA5}">
+                      <a16:colId xmlns:a16="http://schemas.microsoft.com/office/drawing/2014/main" val="20015"/>
+                    </a:ext>
+                  </a:extLst>
+                </a:gridCol>
+                <a:gridCol w="484093">
+                  <a:extLst>
+                    <a:ext uri="{9D8B030D-6E8A-4147-A177-3AD203B41FA5}">
+                      <a16:colId xmlns:a16="http://schemas.microsoft.com/office/drawing/2014/main" val="20016"/>
+                    </a:ext>
+                  </a:extLst>
+                </a:gridCol>
               </a:tblGrid>
               <a:tr h="370840">
                 <a:tc>
@@ -6824,6 +7033,11 @@
                     </a:solidFill>
                   </a:tcPr>
                 </a:tc>
+                <a:extLst>
+                  <a:ext uri="{0D108BD9-81ED-4DB2-BD59-A6C34878D82A}">
+                    <a16:rowId xmlns:a16="http://schemas.microsoft.com/office/drawing/2014/main" val="10000"/>
+                  </a:ext>
+                </a:extLst>
               </a:tr>
             </a:tbl>
           </a:graphicData>
@@ -6854,23 +7068,125 @@
                 <a:tableStyleId>{5C22544A-7EE6-4342-B048-85BDC9FD1C3A}</a:tableStyleId>
               </a:tblPr>
               <a:tblGrid>
-                <a:gridCol w="484093"/>
-                <a:gridCol w="484093"/>
-                <a:gridCol w="484093"/>
-                <a:gridCol w="484093"/>
-                <a:gridCol w="484093"/>
-                <a:gridCol w="484093"/>
-                <a:gridCol w="484093"/>
-                <a:gridCol w="484093"/>
-                <a:gridCol w="484093"/>
-                <a:gridCol w="484093"/>
-                <a:gridCol w="484093"/>
-                <a:gridCol w="484093"/>
-                <a:gridCol w="484093"/>
-                <a:gridCol w="484093"/>
-                <a:gridCol w="484093"/>
-                <a:gridCol w="484093"/>
-                <a:gridCol w="484093"/>
+                <a:gridCol w="484093">
+                  <a:extLst>
+                    <a:ext uri="{9D8B030D-6E8A-4147-A177-3AD203B41FA5}">
+                      <a16:colId xmlns:a16="http://schemas.microsoft.com/office/drawing/2014/main" val="20000"/>
+                    </a:ext>
+                  </a:extLst>
+                </a:gridCol>
+                <a:gridCol w="484093">
+                  <a:extLst>
+                    <a:ext uri="{9D8B030D-6E8A-4147-A177-3AD203B41FA5}">
+                      <a16:colId xmlns:a16="http://schemas.microsoft.com/office/drawing/2014/main" val="20001"/>
+                    </a:ext>
+                  </a:extLst>
+                </a:gridCol>
+                <a:gridCol w="484093">
+                  <a:extLst>
+                    <a:ext uri="{9D8B030D-6E8A-4147-A177-3AD203B41FA5}">
+                      <a16:colId xmlns:a16="http://schemas.microsoft.com/office/drawing/2014/main" val="20002"/>
+                    </a:ext>
+                  </a:extLst>
+                </a:gridCol>
+                <a:gridCol w="484093">
+                  <a:extLst>
+                    <a:ext uri="{9D8B030D-6E8A-4147-A177-3AD203B41FA5}">
+                      <a16:colId xmlns:a16="http://schemas.microsoft.com/office/drawing/2014/main" val="20003"/>
+                    </a:ext>
+                  </a:extLst>
+                </a:gridCol>
+                <a:gridCol w="484093">
+                  <a:extLst>
+                    <a:ext uri="{9D8B030D-6E8A-4147-A177-3AD203B41FA5}">
+                      <a16:colId xmlns:a16="http://schemas.microsoft.com/office/drawing/2014/main" val="20004"/>
+                    </a:ext>
+                  </a:extLst>
+                </a:gridCol>
+                <a:gridCol w="484093">
+                  <a:extLst>
+                    <a:ext uri="{9D8B030D-6E8A-4147-A177-3AD203B41FA5}">
+                      <a16:colId xmlns:a16="http://schemas.microsoft.com/office/drawing/2014/main" val="20005"/>
+                    </a:ext>
+                  </a:extLst>
+                </a:gridCol>
+                <a:gridCol w="484093">
+                  <a:extLst>
+                    <a:ext uri="{9D8B030D-6E8A-4147-A177-3AD203B41FA5}">
+                      <a16:colId xmlns:a16="http://schemas.microsoft.com/office/drawing/2014/main" val="20006"/>
+                    </a:ext>
+                  </a:extLst>
+                </a:gridCol>
+                <a:gridCol w="484093">
+                  <a:extLst>
+                    <a:ext uri="{9D8B030D-6E8A-4147-A177-3AD203B41FA5}">
+                      <a16:colId xmlns:a16="http://schemas.microsoft.com/office/drawing/2014/main" val="20007"/>
+                    </a:ext>
+                  </a:extLst>
+                </a:gridCol>
+                <a:gridCol w="484093">
+                  <a:extLst>
+                    <a:ext uri="{9D8B030D-6E8A-4147-A177-3AD203B41FA5}">
+                      <a16:colId xmlns:a16="http://schemas.microsoft.com/office/drawing/2014/main" val="20008"/>
+                    </a:ext>
+                  </a:extLst>
+                </a:gridCol>
+                <a:gridCol w="484093">
+                  <a:extLst>
+                    <a:ext uri="{9D8B030D-6E8A-4147-A177-3AD203B41FA5}">
+                      <a16:colId xmlns:a16="http://schemas.microsoft.com/office/drawing/2014/main" val="20009"/>
+                    </a:ext>
+                  </a:extLst>
+                </a:gridCol>
+                <a:gridCol w="484093">
+                  <a:extLst>
+                    <a:ext uri="{9D8B030D-6E8A-4147-A177-3AD203B41FA5}">
+                      <a16:colId xmlns:a16="http://schemas.microsoft.com/office/drawing/2014/main" val="20010"/>
+                    </a:ext>
+                  </a:extLst>
+                </a:gridCol>
+                <a:gridCol w="484093">
+                  <a:extLst>
+                    <a:ext uri="{9D8B030D-6E8A-4147-A177-3AD203B41FA5}">
+                      <a16:colId xmlns:a16="http://schemas.microsoft.com/office/drawing/2014/main" val="20011"/>
+                    </a:ext>
+                  </a:extLst>
+                </a:gridCol>
+                <a:gridCol w="484093">
+                  <a:extLst>
+                    <a:ext uri="{9D8B030D-6E8A-4147-A177-3AD203B41FA5}">
+                      <a16:colId xmlns:a16="http://schemas.microsoft.com/office/drawing/2014/main" val="20012"/>
+                    </a:ext>
+                  </a:extLst>
+                </a:gridCol>
+                <a:gridCol w="484093">
+                  <a:extLst>
+                    <a:ext uri="{9D8B030D-6E8A-4147-A177-3AD203B41FA5}">
+                      <a16:colId xmlns:a16="http://schemas.microsoft.com/office/drawing/2014/main" val="20013"/>
+                    </a:ext>
+                  </a:extLst>
+                </a:gridCol>
+                <a:gridCol w="484093">
+                  <a:extLst>
+                    <a:ext uri="{9D8B030D-6E8A-4147-A177-3AD203B41FA5}">
+                      <a16:colId xmlns:a16="http://schemas.microsoft.com/office/drawing/2014/main" val="20014"/>
+                    </a:ext>
+                  </a:extLst>
+                </a:gridCol>
+                <a:gridCol w="484093">
+                  <a:extLst>
+                    <a:ext uri="{9D8B030D-6E8A-4147-A177-3AD203B41FA5}">
+                      <a16:colId xmlns:a16="http://schemas.microsoft.com/office/drawing/2014/main" val="20015"/>
+                    </a:ext>
+                  </a:extLst>
+                </a:gridCol>
+                <a:gridCol w="484093">
+                  <a:extLst>
+                    <a:ext uri="{9D8B030D-6E8A-4147-A177-3AD203B41FA5}">
+                      <a16:colId xmlns:a16="http://schemas.microsoft.com/office/drawing/2014/main" val="20016"/>
+                    </a:ext>
+                  </a:extLst>
+                </a:gridCol>
               </a:tblGrid>
               <a:tr h="370840">
                 <a:tc>
@@ -7948,6 +8264,11 @@
                     </a:solidFill>
                   </a:tcPr>
                 </a:tc>
+                <a:extLst>
+                  <a:ext uri="{0D108BD9-81ED-4DB2-BD59-A6C34878D82A}">
+                    <a16:rowId xmlns:a16="http://schemas.microsoft.com/office/drawing/2014/main" val="10000"/>
+                  </a:ext>
+                </a:extLst>
               </a:tr>
             </a:tbl>
           </a:graphicData>
@@ -7978,23 +8299,125 @@
                 <a:tableStyleId>{5C22544A-7EE6-4342-B048-85BDC9FD1C3A}</a:tableStyleId>
               </a:tblPr>
               <a:tblGrid>
-                <a:gridCol w="484093"/>
-                <a:gridCol w="484093"/>
-                <a:gridCol w="484093"/>
-                <a:gridCol w="484093"/>
-                <a:gridCol w="484093"/>
-                <a:gridCol w="484093"/>
-                <a:gridCol w="484093"/>
-                <a:gridCol w="484093"/>
-                <a:gridCol w="484093"/>
-                <a:gridCol w="484093"/>
-                <a:gridCol w="484093"/>
-                <a:gridCol w="484093"/>
-                <a:gridCol w="484093"/>
-                <a:gridCol w="484093"/>
-                <a:gridCol w="484093"/>
-                <a:gridCol w="484093"/>
-                <a:gridCol w="484093"/>
+                <a:gridCol w="484093">
+                  <a:extLst>
+                    <a:ext uri="{9D8B030D-6E8A-4147-A177-3AD203B41FA5}">
+                      <a16:colId xmlns:a16="http://schemas.microsoft.com/office/drawing/2014/main" val="20000"/>
+                    </a:ext>
+                  </a:extLst>
+                </a:gridCol>
+                <a:gridCol w="484093">
+                  <a:extLst>
+                    <a:ext uri="{9D8B030D-6E8A-4147-A177-3AD203B41FA5}">
+                      <a16:colId xmlns:a16="http://schemas.microsoft.com/office/drawing/2014/main" val="20001"/>
+                    </a:ext>
+                  </a:extLst>
+                </a:gridCol>
+                <a:gridCol w="484093">
+                  <a:extLst>
+                    <a:ext uri="{9D8B030D-6E8A-4147-A177-3AD203B41FA5}">
+                      <a16:colId xmlns:a16="http://schemas.microsoft.com/office/drawing/2014/main" val="20002"/>
+                    </a:ext>
+                  </a:extLst>
+                </a:gridCol>
+                <a:gridCol w="484093">
+                  <a:extLst>
+                    <a:ext uri="{9D8B030D-6E8A-4147-A177-3AD203B41FA5}">
+                      <a16:colId xmlns:a16="http://schemas.microsoft.com/office/drawing/2014/main" val="20003"/>
+                    </a:ext>
+                  </a:extLst>
+                </a:gridCol>
+                <a:gridCol w="484093">
+                  <a:extLst>
+                    <a:ext uri="{9D8B030D-6E8A-4147-A177-3AD203B41FA5}">
+                      <a16:colId xmlns:a16="http://schemas.microsoft.com/office/drawing/2014/main" val="20004"/>
+                    </a:ext>
+                  </a:extLst>
+                </a:gridCol>
+                <a:gridCol w="484093">
+                  <a:extLst>
+                    <a:ext uri="{9D8B030D-6E8A-4147-A177-3AD203B41FA5}">
+                      <a16:colId xmlns:a16="http://schemas.microsoft.com/office/drawing/2014/main" val="20005"/>
+                    </a:ext>
+                  </a:extLst>
+                </a:gridCol>
+                <a:gridCol w="484093">
+                  <a:extLst>
+                    <a:ext uri="{9D8B030D-6E8A-4147-A177-3AD203B41FA5}">
+                      <a16:colId xmlns:a16="http://schemas.microsoft.com/office/drawing/2014/main" val="20006"/>
+                    </a:ext>
+                  </a:extLst>
+                </a:gridCol>
+                <a:gridCol w="484093">
+                  <a:extLst>
+                    <a:ext uri="{9D8B030D-6E8A-4147-A177-3AD203B41FA5}">
+                      <a16:colId xmlns:a16="http://schemas.microsoft.com/office/drawing/2014/main" val="20007"/>
+                    </a:ext>
+                  </a:extLst>
+                </a:gridCol>
+                <a:gridCol w="484093">
+                  <a:extLst>
+                    <a:ext uri="{9D8B030D-6E8A-4147-A177-3AD203B41FA5}">
+                      <a16:colId xmlns:a16="http://schemas.microsoft.com/office/drawing/2014/main" val="20008"/>
+                    </a:ext>
+                  </a:extLst>
+                </a:gridCol>
+                <a:gridCol w="484093">
+                  <a:extLst>
+                    <a:ext uri="{9D8B030D-6E8A-4147-A177-3AD203B41FA5}">
+                      <a16:colId xmlns:a16="http://schemas.microsoft.com/office/drawing/2014/main" val="20009"/>
+                    </a:ext>
+                  </a:extLst>
+                </a:gridCol>
+                <a:gridCol w="484093">
+                  <a:extLst>
+                    <a:ext uri="{9D8B030D-6E8A-4147-A177-3AD203B41FA5}">
+                      <a16:colId xmlns:a16="http://schemas.microsoft.com/office/drawing/2014/main" val="20010"/>
+                    </a:ext>
+                  </a:extLst>
+                </a:gridCol>
+                <a:gridCol w="484093">
+                  <a:extLst>
+                    <a:ext uri="{9D8B030D-6E8A-4147-A177-3AD203B41FA5}">
+                      <a16:colId xmlns:a16="http://schemas.microsoft.com/office/drawing/2014/main" val="20011"/>
+                    </a:ext>
+                  </a:extLst>
+                </a:gridCol>
+                <a:gridCol w="484093">
+                  <a:extLst>
+                    <a:ext uri="{9D8B030D-6E8A-4147-A177-3AD203B41FA5}">
+                      <a16:colId xmlns:a16="http://schemas.microsoft.com/office/drawing/2014/main" val="20012"/>
+                    </a:ext>
+                  </a:extLst>
+                </a:gridCol>
+                <a:gridCol w="484093">
+                  <a:extLst>
+                    <a:ext uri="{9D8B030D-6E8A-4147-A177-3AD203B41FA5}">
+                      <a16:colId xmlns:a16="http://schemas.microsoft.com/office/drawing/2014/main" val="20013"/>
+                    </a:ext>
+                  </a:extLst>
+                </a:gridCol>
+                <a:gridCol w="484093">
+                  <a:extLst>
+                    <a:ext uri="{9D8B030D-6E8A-4147-A177-3AD203B41FA5}">
+                      <a16:colId xmlns:a16="http://schemas.microsoft.com/office/drawing/2014/main" val="20014"/>
+                    </a:ext>
+                  </a:extLst>
+                </a:gridCol>
+                <a:gridCol w="484093">
+                  <a:extLst>
+                    <a:ext uri="{9D8B030D-6E8A-4147-A177-3AD203B41FA5}">
+                      <a16:colId xmlns:a16="http://schemas.microsoft.com/office/drawing/2014/main" val="20015"/>
+                    </a:ext>
+                  </a:extLst>
+                </a:gridCol>
+                <a:gridCol w="484093">
+                  <a:extLst>
+                    <a:ext uri="{9D8B030D-6E8A-4147-A177-3AD203B41FA5}">
+                      <a16:colId xmlns:a16="http://schemas.microsoft.com/office/drawing/2014/main" val="20016"/>
+                    </a:ext>
+                  </a:extLst>
+                </a:gridCol>
               </a:tblGrid>
               <a:tr h="370840">
                 <a:tc>
@@ -9090,6 +9513,11 @@
                     </a:solidFill>
                   </a:tcPr>
                 </a:tc>
+                <a:extLst>
+                  <a:ext uri="{0D108BD9-81ED-4DB2-BD59-A6C34878D82A}">
+                    <a16:rowId xmlns:a16="http://schemas.microsoft.com/office/drawing/2014/main" val="10000"/>
+                  </a:ext>
+                </a:extLst>
               </a:tr>
             </a:tbl>
           </a:graphicData>
@@ -9172,7 +9600,7 @@
           <a:p>
             <a:r>
               <a:rPr lang="en-US" smtClean="0"/>
-              <a:t>Management Regulations</a:t>
+              <a:t>Management Tools</a:t>
             </a:r>
             <a:endParaRPr lang="en-US"/>
           </a:p>
@@ -9931,13 +10359,8 @@
             <a:pPr lvl="2"/>
             <a:r>
               <a:rPr lang="en-US" dirty="0" smtClean="0"/>
-              <a:t>No motor trolling</a:t>
-            </a:r>
-            <a:r>
-              <a:rPr lang="en-US" dirty="0" smtClean="0"/>
-              <a:t>.</a:t>
-            </a:r>
-            <a:endParaRPr lang="en-US" dirty="0" smtClean="0"/>
+              <a:t>No motor trolling.</a:t>
+            </a:r>
           </a:p>
         </p:txBody>
       </p:sp>
@@ -9958,7 +10381,7 @@
           <a:p>
             <a:r>
               <a:rPr lang="en-US" smtClean="0"/>
-              <a:t>Management Regulations</a:t>
+              <a:t>Management Tools</a:t>
             </a:r>
             <a:endParaRPr lang="en-US"/>
           </a:p>
@@ -10248,7 +10671,7 @@
           <a:p>
             <a:r>
               <a:rPr lang="en-US" smtClean="0"/>
-              <a:t>Management Regulations</a:t>
+              <a:t>Management Tools</a:t>
             </a:r>
             <a:endParaRPr lang="en-US"/>
           </a:p>
@@ -10898,7 +11321,7 @@
           <a:p>
             <a:r>
               <a:rPr lang="en-US" smtClean="0"/>
-              <a:t>Management Regulations</a:t>
+              <a:t>Management Tools</a:t>
             </a:r>
             <a:endParaRPr lang="en-US"/>
           </a:p>
@@ -11176,7 +11599,7 @@
           <a:p>
             <a:r>
               <a:rPr lang="en-US" smtClean="0"/>
-              <a:t>Management Regulations</a:t>
+              <a:t>Management Tools</a:t>
             </a:r>
             <a:endParaRPr lang="en-US"/>
           </a:p>
